--- a/.offline/logo.pptx
+++ b/.offline/logo.pptx
@@ -1,6 +1,6 @@
 
 <file path=ppt/presentation.xml><?xml version="1.0" encoding="utf-8"?>
-<p:presentation xmlns:a="http://schemas.openxmlformats.org/drawingml/2006/main" xmlns:r="http://schemas.openxmlformats.org/officeDocument/2006/relationships" xmlns:p="http://schemas.openxmlformats.org/presentationml/2006/main" saveSubsetFonts="1">
+<p:presentation xmlns:a="http://schemas.openxmlformats.org/drawingml/2006/main" xmlns:r="http://schemas.openxmlformats.org/officeDocument/2006/relationships" xmlns:p="http://schemas.openxmlformats.org/presentationml/2006/main" removePersonalInfoOnSave="1" saveSubsetFonts="1">
   <p:sldMasterIdLst>
     <p:sldMasterId id="2147483648" r:id="rId1"/>
   </p:sldMasterIdLst>
@@ -104,6 +104,11 @@
       </a:defRPr>
     </a:lvl9pPr>
   </p:defaultTextStyle>
+  <p:extLst>
+    <p:ext uri="{EFAFB233-063F-42B5-8137-9DF3F51BA10A}">
+      <p15:sldGuideLst xmlns:p15="http://schemas.microsoft.com/office/powerpoint/2012/main"/>
+    </p:ext>
+  </p:extLst>
 </p:presentation>
 </file>
 
@@ -254,7 +259,7 @@
           <a:p>
             <a:fld id="{5CC0DD09-D29D-4A04-80A3-8DFC411E4748}" type="datetimeFigureOut">
               <a:rPr lang="en-US" smtClean="0"/>
-              <a:t>5/5/2023</a:t>
+              <a:t>5/23/2023</a:t>
             </a:fld>
             <a:endParaRPr lang="en-US"/>
           </a:p>
@@ -452,7 +457,7 @@
           <a:p>
             <a:fld id="{5CC0DD09-D29D-4A04-80A3-8DFC411E4748}" type="datetimeFigureOut">
               <a:rPr lang="en-US" smtClean="0"/>
-              <a:t>5/5/2023</a:t>
+              <a:t>5/23/2023</a:t>
             </a:fld>
             <a:endParaRPr lang="en-US"/>
           </a:p>
@@ -660,7 +665,7 @@
           <a:p>
             <a:fld id="{5CC0DD09-D29D-4A04-80A3-8DFC411E4748}" type="datetimeFigureOut">
               <a:rPr lang="en-US" smtClean="0"/>
-              <a:t>5/5/2023</a:t>
+              <a:t>5/23/2023</a:t>
             </a:fld>
             <a:endParaRPr lang="en-US"/>
           </a:p>
@@ -858,7 +863,7 @@
           <a:p>
             <a:fld id="{5CC0DD09-D29D-4A04-80A3-8DFC411E4748}" type="datetimeFigureOut">
               <a:rPr lang="en-US" smtClean="0"/>
-              <a:t>5/5/2023</a:t>
+              <a:t>5/23/2023</a:t>
             </a:fld>
             <a:endParaRPr lang="en-US"/>
           </a:p>
@@ -1133,7 +1138,7 @@
           <a:p>
             <a:fld id="{5CC0DD09-D29D-4A04-80A3-8DFC411E4748}" type="datetimeFigureOut">
               <a:rPr lang="en-US" smtClean="0"/>
-              <a:t>5/5/2023</a:t>
+              <a:t>5/23/2023</a:t>
             </a:fld>
             <a:endParaRPr lang="en-US"/>
           </a:p>
@@ -1398,7 +1403,7 @@
           <a:p>
             <a:fld id="{5CC0DD09-D29D-4A04-80A3-8DFC411E4748}" type="datetimeFigureOut">
               <a:rPr lang="en-US" smtClean="0"/>
-              <a:t>5/5/2023</a:t>
+              <a:t>5/23/2023</a:t>
             </a:fld>
             <a:endParaRPr lang="en-US"/>
           </a:p>
@@ -1810,7 +1815,7 @@
           <a:p>
             <a:fld id="{5CC0DD09-D29D-4A04-80A3-8DFC411E4748}" type="datetimeFigureOut">
               <a:rPr lang="en-US" smtClean="0"/>
-              <a:t>5/5/2023</a:t>
+              <a:t>5/23/2023</a:t>
             </a:fld>
             <a:endParaRPr lang="en-US"/>
           </a:p>
@@ -1951,7 +1956,7 @@
           <a:p>
             <a:fld id="{5CC0DD09-D29D-4A04-80A3-8DFC411E4748}" type="datetimeFigureOut">
               <a:rPr lang="en-US" smtClean="0"/>
-              <a:t>5/5/2023</a:t>
+              <a:t>5/23/2023</a:t>
             </a:fld>
             <a:endParaRPr lang="en-US"/>
           </a:p>
@@ -2064,7 +2069,7 @@
           <a:p>
             <a:fld id="{5CC0DD09-D29D-4A04-80A3-8DFC411E4748}" type="datetimeFigureOut">
               <a:rPr lang="en-US" smtClean="0"/>
-              <a:t>5/5/2023</a:t>
+              <a:t>5/23/2023</a:t>
             </a:fld>
             <a:endParaRPr lang="en-US"/>
           </a:p>
@@ -2375,7 +2380,7 @@
           <a:p>
             <a:fld id="{5CC0DD09-D29D-4A04-80A3-8DFC411E4748}" type="datetimeFigureOut">
               <a:rPr lang="en-US" smtClean="0"/>
-              <a:t>5/5/2023</a:t>
+              <a:t>5/23/2023</a:t>
             </a:fld>
             <a:endParaRPr lang="en-US"/>
           </a:p>
@@ -2663,7 +2668,7 @@
           <a:p>
             <a:fld id="{5CC0DD09-D29D-4A04-80A3-8DFC411E4748}" type="datetimeFigureOut">
               <a:rPr lang="en-US" smtClean="0"/>
-              <a:t>5/5/2023</a:t>
+              <a:t>5/23/2023</a:t>
             </a:fld>
             <a:endParaRPr lang="en-US"/>
           </a:p>
@@ -2904,7 +2909,7 @@
           <a:p>
             <a:fld id="{5CC0DD09-D29D-4A04-80A3-8DFC411E4748}" type="datetimeFigureOut">
               <a:rPr lang="en-US" smtClean="0"/>
-              <a:t>5/5/2023</a:t>
+              <a:t>5/23/2023</a:t>
             </a:fld>
             <a:endParaRPr lang="en-US"/>
           </a:p>

--- a/.offline/logo.pptx
+++ b/.offline/logo.pptx
@@ -6,6 +6,7 @@
   </p:sldMasterIdLst>
   <p:sldIdLst>
     <p:sldId id="256" r:id="rId2"/>
+    <p:sldId id="257" r:id="rId3"/>
   </p:sldIdLst>
   <p:sldSz cx="12192000" cy="6858000"/>
   <p:notesSz cx="6858000" cy="9144000"/>
@@ -259,7 +260,7 @@
           <a:p>
             <a:fld id="{5CC0DD09-D29D-4A04-80A3-8DFC411E4748}" type="datetimeFigureOut">
               <a:rPr lang="en-US" smtClean="0"/>
-              <a:t>5/23/2023</a:t>
+              <a:t>5/30/2023</a:t>
             </a:fld>
             <a:endParaRPr lang="en-US"/>
           </a:p>
@@ -457,7 +458,7 @@
           <a:p>
             <a:fld id="{5CC0DD09-D29D-4A04-80A3-8DFC411E4748}" type="datetimeFigureOut">
               <a:rPr lang="en-US" smtClean="0"/>
-              <a:t>5/23/2023</a:t>
+              <a:t>5/30/2023</a:t>
             </a:fld>
             <a:endParaRPr lang="en-US"/>
           </a:p>
@@ -665,7 +666,7 @@
           <a:p>
             <a:fld id="{5CC0DD09-D29D-4A04-80A3-8DFC411E4748}" type="datetimeFigureOut">
               <a:rPr lang="en-US" smtClean="0"/>
-              <a:t>5/23/2023</a:t>
+              <a:t>5/30/2023</a:t>
             </a:fld>
             <a:endParaRPr lang="en-US"/>
           </a:p>
@@ -863,7 +864,7 @@
           <a:p>
             <a:fld id="{5CC0DD09-D29D-4A04-80A3-8DFC411E4748}" type="datetimeFigureOut">
               <a:rPr lang="en-US" smtClean="0"/>
-              <a:t>5/23/2023</a:t>
+              <a:t>5/30/2023</a:t>
             </a:fld>
             <a:endParaRPr lang="en-US"/>
           </a:p>
@@ -1138,7 +1139,7 @@
           <a:p>
             <a:fld id="{5CC0DD09-D29D-4A04-80A3-8DFC411E4748}" type="datetimeFigureOut">
               <a:rPr lang="en-US" smtClean="0"/>
-              <a:t>5/23/2023</a:t>
+              <a:t>5/30/2023</a:t>
             </a:fld>
             <a:endParaRPr lang="en-US"/>
           </a:p>
@@ -1403,7 +1404,7 @@
           <a:p>
             <a:fld id="{5CC0DD09-D29D-4A04-80A3-8DFC411E4748}" type="datetimeFigureOut">
               <a:rPr lang="en-US" smtClean="0"/>
-              <a:t>5/23/2023</a:t>
+              <a:t>5/30/2023</a:t>
             </a:fld>
             <a:endParaRPr lang="en-US"/>
           </a:p>
@@ -1815,7 +1816,7 @@
           <a:p>
             <a:fld id="{5CC0DD09-D29D-4A04-80A3-8DFC411E4748}" type="datetimeFigureOut">
               <a:rPr lang="en-US" smtClean="0"/>
-              <a:t>5/23/2023</a:t>
+              <a:t>5/30/2023</a:t>
             </a:fld>
             <a:endParaRPr lang="en-US"/>
           </a:p>
@@ -1956,7 +1957,7 @@
           <a:p>
             <a:fld id="{5CC0DD09-D29D-4A04-80A3-8DFC411E4748}" type="datetimeFigureOut">
               <a:rPr lang="en-US" smtClean="0"/>
-              <a:t>5/23/2023</a:t>
+              <a:t>5/30/2023</a:t>
             </a:fld>
             <a:endParaRPr lang="en-US"/>
           </a:p>
@@ -2069,7 +2070,7 @@
           <a:p>
             <a:fld id="{5CC0DD09-D29D-4A04-80A3-8DFC411E4748}" type="datetimeFigureOut">
               <a:rPr lang="en-US" smtClean="0"/>
-              <a:t>5/23/2023</a:t>
+              <a:t>5/30/2023</a:t>
             </a:fld>
             <a:endParaRPr lang="en-US"/>
           </a:p>
@@ -2380,7 +2381,7 @@
           <a:p>
             <a:fld id="{5CC0DD09-D29D-4A04-80A3-8DFC411E4748}" type="datetimeFigureOut">
               <a:rPr lang="en-US" smtClean="0"/>
-              <a:t>5/23/2023</a:t>
+              <a:t>5/30/2023</a:t>
             </a:fld>
             <a:endParaRPr lang="en-US"/>
           </a:p>
@@ -2668,7 +2669,7 @@
           <a:p>
             <a:fld id="{5CC0DD09-D29D-4A04-80A3-8DFC411E4748}" type="datetimeFigureOut">
               <a:rPr lang="en-US" smtClean="0"/>
-              <a:t>5/23/2023</a:t>
+              <a:t>5/30/2023</a:t>
             </a:fld>
             <a:endParaRPr lang="en-US"/>
           </a:p>
@@ -2909,7 +2910,7 @@
           <a:p>
             <a:fld id="{5CC0DD09-D29D-4A04-80A3-8DFC411E4748}" type="datetimeFigureOut">
               <a:rPr lang="en-US" smtClean="0"/>
-              <a:t>5/23/2023</a:t>
+              <a:t>5/30/2023</a:t>
             </a:fld>
             <a:endParaRPr lang="en-US"/>
           </a:p>
@@ -4184,6 +4185,976 @@
 </p:sld>
 </file>
 
+<file path=ppt/slides/slide2.xml><?xml version="1.0" encoding="utf-8"?>
+<p:sld xmlns:a="http://schemas.openxmlformats.org/drawingml/2006/main" xmlns:r="http://schemas.openxmlformats.org/officeDocument/2006/relationships" xmlns:p="http://schemas.openxmlformats.org/presentationml/2006/main">
+  <p:cSld>
+    <p:spTree>
+      <p:nvGrpSpPr>
+        <p:cNvPr id="1" name=""/>
+        <p:cNvGrpSpPr/>
+        <p:nvPr/>
+      </p:nvGrpSpPr>
+      <p:grpSpPr>
+        <a:xfrm>
+          <a:off x="0" y="0"/>
+          <a:ext cx="0" cy="0"/>
+          <a:chOff x="0" y="0"/>
+          <a:chExt cx="0" cy="0"/>
+        </a:xfrm>
+      </p:grpSpPr>
+      <p:grpSp>
+        <p:nvGrpSpPr>
+          <p:cNvPr id="2" name="Group 1">
+            <a:extLst>
+              <a:ext uri="{FF2B5EF4-FFF2-40B4-BE49-F238E27FC236}">
+                <a16:creationId xmlns:a16="http://schemas.microsoft.com/office/drawing/2014/main" id="{02D468C8-F7DB-61D0-A27D-658E32DED136}"/>
+              </a:ext>
+            </a:extLst>
+          </p:cNvPr>
+          <p:cNvGrpSpPr>
+            <a:grpSpLocks noChangeAspect="1"/>
+          </p:cNvGrpSpPr>
+          <p:nvPr/>
+        </p:nvGrpSpPr>
+        <p:grpSpPr>
+          <a:xfrm>
+            <a:off x="4414837" y="1743075"/>
+            <a:ext cx="3362325" cy="3362325"/>
+            <a:chOff x="4414837" y="1743075"/>
+            <a:chExt cx="3362325" cy="3362325"/>
+          </a:xfrm>
+        </p:grpSpPr>
+        <p:sp>
+          <p:nvSpPr>
+            <p:cNvPr id="15" name="Freeform: Shape 14">
+              <a:extLst>
+                <a:ext uri="{FF2B5EF4-FFF2-40B4-BE49-F238E27FC236}">
+                  <a16:creationId xmlns:a16="http://schemas.microsoft.com/office/drawing/2014/main" id="{5DE628BD-203F-5CD4-F138-F1549E2957FF}"/>
+                </a:ext>
+              </a:extLst>
+            </p:cNvPr>
+            <p:cNvSpPr/>
+            <p:nvPr/>
+          </p:nvSpPr>
+          <p:spPr>
+            <a:xfrm>
+              <a:off x="4414837" y="1743075"/>
+              <a:ext cx="3362325" cy="3362325"/>
+            </a:xfrm>
+            <a:custGeom>
+              <a:avLst/>
+              <a:gdLst>
+                <a:gd name="connsiteX0" fmla="*/ -541 w 3362325"/>
+                <a:gd name="connsiteY0" fmla="*/ 1680998 h 3362325"/>
+                <a:gd name="connsiteX1" fmla="*/ 1680622 w 3362325"/>
+                <a:gd name="connsiteY1" fmla="*/ -165 h 3362325"/>
+                <a:gd name="connsiteX2" fmla="*/ 3361784 w 3362325"/>
+                <a:gd name="connsiteY2" fmla="*/ 1680998 h 3362325"/>
+                <a:gd name="connsiteX3" fmla="*/ 1680622 w 3362325"/>
+                <a:gd name="connsiteY3" fmla="*/ 3362160 h 3362325"/>
+                <a:gd name="connsiteX4" fmla="*/ -541 w 3362325"/>
+                <a:gd name="connsiteY4" fmla="*/ 1680998 h 3362325"/>
+              </a:gdLst>
+              <a:ahLst/>
+              <a:cxnLst>
+                <a:cxn ang="0">
+                  <a:pos x="connsiteX0" y="connsiteY0"/>
+                </a:cxn>
+                <a:cxn ang="0">
+                  <a:pos x="connsiteX1" y="connsiteY1"/>
+                </a:cxn>
+                <a:cxn ang="0">
+                  <a:pos x="connsiteX2" y="connsiteY2"/>
+                </a:cxn>
+                <a:cxn ang="0">
+                  <a:pos x="connsiteX3" y="connsiteY3"/>
+                </a:cxn>
+                <a:cxn ang="0">
+                  <a:pos x="connsiteX4" y="connsiteY4"/>
+                </a:cxn>
+              </a:cxnLst>
+              <a:rect l="l" t="t" r="r" b="b"/>
+              <a:pathLst>
+                <a:path w="3362325" h="3362325">
+                  <a:moveTo>
+                    <a:pt x="-541" y="1680998"/>
+                  </a:moveTo>
+                  <a:cubicBezTo>
+                    <a:pt x="-541" y="752520"/>
+                    <a:pt x="752143" y="-165"/>
+                    <a:pt x="1680622" y="-165"/>
+                  </a:cubicBezTo>
+                  <a:cubicBezTo>
+                    <a:pt x="2609100" y="-165"/>
+                    <a:pt x="3361784" y="752520"/>
+                    <a:pt x="3361784" y="1680998"/>
+                  </a:cubicBezTo>
+                  <a:cubicBezTo>
+                    <a:pt x="3361784" y="2609476"/>
+                    <a:pt x="2609100" y="3362160"/>
+                    <a:pt x="1680622" y="3362160"/>
+                  </a:cubicBezTo>
+                  <a:cubicBezTo>
+                    <a:pt x="752143" y="3362160"/>
+                    <a:pt x="-541" y="2609476"/>
+                    <a:pt x="-541" y="1680998"/>
+                  </a:cubicBezTo>
+                  <a:close/>
+                </a:path>
+              </a:pathLst>
+            </a:custGeom>
+            <a:solidFill>
+              <a:srgbClr val="1F303E"/>
+            </a:solidFill>
+            <a:ln w="114300" cap="flat">
+              <a:solidFill>
+                <a:srgbClr val="BFBFBF"/>
+              </a:solidFill>
+              <a:prstDash val="solid"/>
+              <a:miter/>
+            </a:ln>
+            <a:scene3d>
+              <a:camera prst="orthographicFront"/>
+              <a:lightRig rig="threePt" dir="t"/>
+            </a:scene3d>
+            <a:sp3d>
+              <a:bevelT w="1651000" h="1651000"/>
+              <a:bevelB w="1651000" h="1651000"/>
+            </a:sp3d>
+          </p:spPr>
+          <p:txBody>
+            <a:bodyPr rtlCol="0" anchor="ctr"/>
+            <a:lstStyle/>
+            <a:p>
+              <a:endParaRPr lang="en-US"/>
+            </a:p>
+          </p:txBody>
+        </p:sp>
+        <p:grpSp>
+          <p:nvGrpSpPr>
+            <p:cNvPr id="16" name="Graphic 4">
+              <a:extLst>
+                <a:ext uri="{FF2B5EF4-FFF2-40B4-BE49-F238E27FC236}">
+                  <a16:creationId xmlns:a16="http://schemas.microsoft.com/office/drawing/2014/main" id="{0377CDE8-3D93-B7EC-D5E2-2274427E8C0E}"/>
+                </a:ext>
+              </a:extLst>
+            </p:cNvPr>
+            <p:cNvGrpSpPr/>
+            <p:nvPr/>
+          </p:nvGrpSpPr>
+          <p:grpSpPr>
+            <a:xfrm>
+              <a:off x="4674631" y="2187103"/>
+              <a:ext cx="2842736" cy="2690574"/>
+              <a:chOff x="4672012" y="2200275"/>
+              <a:chExt cx="2842736" cy="2690574"/>
+            </a:xfrm>
+          </p:grpSpPr>
+          <p:sp>
+            <p:nvSpPr>
+              <p:cNvPr id="17" name="Freeform: Shape 16">
+                <a:extLst>
+                  <a:ext uri="{FF2B5EF4-FFF2-40B4-BE49-F238E27FC236}">
+                    <a16:creationId xmlns:a16="http://schemas.microsoft.com/office/drawing/2014/main" id="{7D9E1174-FFB8-5927-9341-2DD75A527198}"/>
+                  </a:ext>
+                </a:extLst>
+              </p:cNvPr>
+              <p:cNvSpPr/>
+              <p:nvPr/>
+            </p:nvSpPr>
+            <p:spPr>
+              <a:xfrm>
+                <a:off x="6517699" y="2285466"/>
+                <a:ext cx="997048" cy="1527791"/>
+              </a:xfrm>
+              <a:custGeom>
+                <a:avLst/>
+                <a:gdLst>
+                  <a:gd name="connsiteX0" fmla="*/ 996507 w 997048"/>
+                  <a:gd name="connsiteY0" fmla="*/ 1527626 h 1527791"/>
+                  <a:gd name="connsiteX1" fmla="*/ -541 w 997048"/>
+                  <a:gd name="connsiteY1" fmla="*/ 1527559 h 1527791"/>
+                  <a:gd name="connsiteX2" fmla="*/ 497912 w 997048"/>
+                  <a:gd name="connsiteY2" fmla="*/ -165 h 1527791"/>
+                </a:gdLst>
+                <a:ahLst/>
+                <a:cxnLst>
+                  <a:cxn ang="0">
+                    <a:pos x="connsiteX0" y="connsiteY0"/>
+                  </a:cxn>
+                  <a:cxn ang="0">
+                    <a:pos x="connsiteX1" y="connsiteY1"/>
+                  </a:cxn>
+                  <a:cxn ang="0">
+                    <a:pos x="connsiteX2" y="connsiteY2"/>
+                  </a:cxn>
+                </a:cxnLst>
+                <a:rect l="l" t="t" r="r" b="b"/>
+                <a:pathLst>
+                  <a:path w="997048" h="1527791">
+                    <a:moveTo>
+                      <a:pt x="996507" y="1527626"/>
+                    </a:moveTo>
+                    <a:lnTo>
+                      <a:pt x="-541" y="1527559"/>
+                    </a:lnTo>
+                    <a:lnTo>
+                      <a:pt x="497912" y="-165"/>
+                    </a:lnTo>
+                    <a:close/>
+                  </a:path>
+                </a:pathLst>
+              </a:custGeom>
+              <a:solidFill>
+                <a:srgbClr val="81AEFC"/>
+              </a:solidFill>
+              <a:ln w="9525" cap="flat">
+                <a:noFill/>
+                <a:prstDash val="solid"/>
+                <a:miter/>
+              </a:ln>
+              <a:scene3d>
+                <a:camera prst="orthographicFront"/>
+                <a:lightRig rig="threePt" dir="t"/>
+              </a:scene3d>
+              <a:sp3d>
+                <a:bevelT w="1651000" h="1651000"/>
+                <a:bevelB w="1651000" h="1651000"/>
+              </a:sp3d>
+            </p:spPr>
+            <p:txBody>
+              <a:bodyPr rtlCol="0" anchor="ctr"/>
+              <a:lstStyle/>
+              <a:p>
+                <a:endParaRPr lang="en-US"/>
+              </a:p>
+            </p:txBody>
+          </p:sp>
+          <p:sp>
+            <p:nvSpPr>
+              <p:cNvPr id="18" name="Freeform: Shape 17">
+                <a:extLst>
+                  <a:ext uri="{FF2B5EF4-FFF2-40B4-BE49-F238E27FC236}">
+                    <a16:creationId xmlns:a16="http://schemas.microsoft.com/office/drawing/2014/main" id="{1BCE778A-1AF8-2FB2-BFBE-A3873A9EF311}"/>
+                  </a:ext>
+                </a:extLst>
+              </p:cNvPr>
+              <p:cNvSpPr/>
+              <p:nvPr/>
+            </p:nvSpPr>
+            <p:spPr>
+              <a:xfrm>
+                <a:off x="5285907" y="2200275"/>
+                <a:ext cx="1613468" cy="944079"/>
+              </a:xfrm>
+              <a:custGeom>
+                <a:avLst/>
+                <a:gdLst>
+                  <a:gd name="connsiteX0" fmla="*/ 1612927 w 1613468"/>
+                  <a:gd name="connsiteY0" fmla="*/ -165 h 944079"/>
+                  <a:gd name="connsiteX1" fmla="*/ 1304756 w 1613468"/>
+                  <a:gd name="connsiteY1" fmla="*/ 943915 h 944079"/>
+                  <a:gd name="connsiteX2" fmla="*/ -541 w 1613468"/>
+                  <a:gd name="connsiteY2" fmla="*/ -165 h 944079"/>
+                </a:gdLst>
+                <a:ahLst/>
+                <a:cxnLst>
+                  <a:cxn ang="0">
+                    <a:pos x="connsiteX0" y="connsiteY0"/>
+                  </a:cxn>
+                  <a:cxn ang="0">
+                    <a:pos x="connsiteX1" y="connsiteY1"/>
+                  </a:cxn>
+                  <a:cxn ang="0">
+                    <a:pos x="connsiteX2" y="connsiteY2"/>
+                  </a:cxn>
+                </a:cxnLst>
+                <a:rect l="l" t="t" r="r" b="b"/>
+                <a:pathLst>
+                  <a:path w="1613468" h="944079">
+                    <a:moveTo>
+                      <a:pt x="1612927" y="-165"/>
+                    </a:moveTo>
+                    <a:lnTo>
+                      <a:pt x="1304756" y="943915"/>
+                    </a:lnTo>
+                    <a:lnTo>
+                      <a:pt x="-541" y="-165"/>
+                    </a:lnTo>
+                    <a:close/>
+                  </a:path>
+                </a:pathLst>
+              </a:custGeom>
+              <a:solidFill>
+                <a:srgbClr val="4D52AF"/>
+              </a:solidFill>
+              <a:ln w="9525" cap="flat">
+                <a:noFill/>
+                <a:prstDash val="solid"/>
+                <a:miter/>
+              </a:ln>
+              <a:scene3d>
+                <a:camera prst="orthographicFront"/>
+                <a:lightRig rig="threePt" dir="t"/>
+              </a:scene3d>
+              <a:sp3d>
+                <a:bevelT w="1651000" h="1651000"/>
+                <a:bevelB w="1651000" h="1651000"/>
+              </a:sp3d>
+            </p:spPr>
+            <p:txBody>
+              <a:bodyPr rtlCol="0" anchor="ctr"/>
+              <a:lstStyle/>
+              <a:p>
+                <a:endParaRPr lang="en-US"/>
+              </a:p>
+            </p:txBody>
+          </p:sp>
+          <p:sp>
+            <p:nvSpPr>
+              <p:cNvPr id="19" name="Freeform: Shape 18">
+                <a:extLst>
+                  <a:ext uri="{FF2B5EF4-FFF2-40B4-BE49-F238E27FC236}">
+                    <a16:creationId xmlns:a16="http://schemas.microsoft.com/office/drawing/2014/main" id="{72BBE25A-CD96-1DD5-5232-A82B52655781}"/>
+                  </a:ext>
+                </a:extLst>
+              </p:cNvPr>
+              <p:cNvSpPr/>
+              <p:nvPr/>
+            </p:nvSpPr>
+            <p:spPr>
+              <a:xfrm>
+                <a:off x="4714474" y="3362477"/>
+                <a:ext cx="1305324" cy="1527667"/>
+              </a:xfrm>
+              <a:custGeom>
+                <a:avLst/>
+                <a:gdLst>
+                  <a:gd name="connsiteX0" fmla="*/ -541 w 1305324"/>
+                  <a:gd name="connsiteY0" fmla="*/ 583270 h 1527667"/>
+                  <a:gd name="connsiteX1" fmla="*/ 806131 w 1305324"/>
+                  <a:gd name="connsiteY1" fmla="*/ -165 h 1527667"/>
+                  <a:gd name="connsiteX2" fmla="*/ 1304784 w 1305324"/>
+                  <a:gd name="connsiteY2" fmla="*/ 1527502 h 1527667"/>
+                </a:gdLst>
+                <a:ahLst/>
+                <a:cxnLst>
+                  <a:cxn ang="0">
+                    <a:pos x="connsiteX0" y="connsiteY0"/>
+                  </a:cxn>
+                  <a:cxn ang="0">
+                    <a:pos x="connsiteX1" y="connsiteY1"/>
+                  </a:cxn>
+                  <a:cxn ang="0">
+                    <a:pos x="connsiteX2" y="connsiteY2"/>
+                  </a:cxn>
+                </a:cxnLst>
+                <a:rect l="l" t="t" r="r" b="b"/>
+                <a:pathLst>
+                  <a:path w="1305324" h="1527667">
+                    <a:moveTo>
+                      <a:pt x="-541" y="583270"/>
+                    </a:moveTo>
+                    <a:lnTo>
+                      <a:pt x="806131" y="-165"/>
+                    </a:lnTo>
+                    <a:lnTo>
+                      <a:pt x="1304784" y="1527502"/>
+                    </a:lnTo>
+                    <a:close/>
+                  </a:path>
+                </a:pathLst>
+              </a:custGeom>
+              <a:solidFill>
+                <a:srgbClr val="EE601D"/>
+              </a:solidFill>
+              <a:ln w="9525" cap="flat">
+                <a:noFill/>
+                <a:prstDash val="solid"/>
+                <a:miter/>
+              </a:ln>
+              <a:scene3d>
+                <a:camera prst="orthographicFront"/>
+                <a:lightRig rig="threePt" dir="t"/>
+              </a:scene3d>
+              <a:sp3d>
+                <a:bevelT w="1651000" h="1651000"/>
+                <a:bevelB w="1651000" h="1651000"/>
+              </a:sp3d>
+            </p:spPr>
+            <p:txBody>
+              <a:bodyPr rtlCol="0" anchor="ctr"/>
+              <a:lstStyle/>
+              <a:p>
+                <a:endParaRPr lang="en-US"/>
+              </a:p>
+            </p:txBody>
+          </p:sp>
+          <p:sp>
+            <p:nvSpPr>
+              <p:cNvPr id="20" name="Freeform: Shape 19">
+                <a:extLst>
+                  <a:ext uri="{FF2B5EF4-FFF2-40B4-BE49-F238E27FC236}">
+                    <a16:creationId xmlns:a16="http://schemas.microsoft.com/office/drawing/2014/main" id="{5CF72697-34BD-FDBF-510B-131A81773811}"/>
+                  </a:ext>
+                </a:extLst>
+              </p:cNvPr>
+              <p:cNvSpPr/>
+              <p:nvPr/>
+            </p:nvSpPr>
+            <p:spPr>
+              <a:xfrm>
+                <a:off x="4672012" y="2282418"/>
+                <a:ext cx="1305181" cy="1527800"/>
+              </a:xfrm>
+              <a:custGeom>
+                <a:avLst/>
+                <a:gdLst>
+                  <a:gd name="connsiteX0" fmla="*/ 498055 w 1305181"/>
+                  <a:gd name="connsiteY0" fmla="*/ -165 h 1527800"/>
+                  <a:gd name="connsiteX1" fmla="*/ 1304641 w 1305181"/>
+                  <a:gd name="connsiteY1" fmla="*/ 583384 h 1527800"/>
+                  <a:gd name="connsiteX2" fmla="*/ -541 w 1305181"/>
+                  <a:gd name="connsiteY2" fmla="*/ 1527636 h 1527800"/>
+                </a:gdLst>
+                <a:ahLst/>
+                <a:cxnLst>
+                  <a:cxn ang="0">
+                    <a:pos x="connsiteX0" y="connsiteY0"/>
+                  </a:cxn>
+                  <a:cxn ang="0">
+                    <a:pos x="connsiteX1" y="connsiteY1"/>
+                  </a:cxn>
+                  <a:cxn ang="0">
+                    <a:pos x="connsiteX2" y="connsiteY2"/>
+                  </a:cxn>
+                </a:cxnLst>
+                <a:rect l="l" t="t" r="r" b="b"/>
+                <a:pathLst>
+                  <a:path w="1305181" h="1527800">
+                    <a:moveTo>
+                      <a:pt x="498055" y="-165"/>
+                    </a:moveTo>
+                    <a:lnTo>
+                      <a:pt x="1304641" y="583384"/>
+                    </a:lnTo>
+                    <a:lnTo>
+                      <a:pt x="-541" y="1527636"/>
+                    </a:lnTo>
+                    <a:close/>
+                  </a:path>
+                </a:pathLst>
+              </a:custGeom>
+              <a:solidFill>
+                <a:srgbClr val="F6BD9C"/>
+              </a:solidFill>
+              <a:ln w="9525" cap="flat">
+                <a:noFill/>
+                <a:prstDash val="solid"/>
+                <a:miter/>
+              </a:ln>
+              <a:scene3d>
+                <a:camera prst="orthographicFront"/>
+                <a:lightRig rig="threePt" dir="t"/>
+              </a:scene3d>
+              <a:sp3d>
+                <a:bevelT w="1651000" h="1651000"/>
+                <a:bevelB w="1651000" h="1651000"/>
+              </a:sp3d>
+            </p:spPr>
+            <p:txBody>
+              <a:bodyPr rtlCol="0" anchor="ctr"/>
+              <a:lstStyle/>
+              <a:p>
+                <a:endParaRPr lang="en-US"/>
+              </a:p>
+            </p:txBody>
+          </p:sp>
+          <p:sp>
+            <p:nvSpPr>
+              <p:cNvPr id="21" name="Freeform: Shape 20">
+                <a:extLst>
+                  <a:ext uri="{FF2B5EF4-FFF2-40B4-BE49-F238E27FC236}">
+                    <a16:creationId xmlns:a16="http://schemas.microsoft.com/office/drawing/2014/main" id="{DF642EB5-A31C-007F-B423-87F3160B29DD}"/>
+                  </a:ext>
+                </a:extLst>
+              </p:cNvPr>
+              <p:cNvSpPr/>
+              <p:nvPr/>
+            </p:nvSpPr>
+            <p:spPr>
+              <a:xfrm>
+                <a:off x="5857646" y="3946616"/>
+                <a:ext cx="1613373" cy="944232"/>
+              </a:xfrm>
+              <a:custGeom>
+                <a:avLst/>
+                <a:gdLst>
+                  <a:gd name="connsiteX0" fmla="*/ 307507 w 1613373"/>
+                  <a:gd name="connsiteY0" fmla="*/ 944068 h 944232"/>
+                  <a:gd name="connsiteX1" fmla="*/ -541 w 1613373"/>
+                  <a:gd name="connsiteY1" fmla="*/ -60 h 944232"/>
+                  <a:gd name="connsiteX2" fmla="*/ 1612832 w 1613373"/>
+                  <a:gd name="connsiteY2" fmla="*/ -165 h 944232"/>
+                </a:gdLst>
+                <a:ahLst/>
+                <a:cxnLst>
+                  <a:cxn ang="0">
+                    <a:pos x="connsiteX0" y="connsiteY0"/>
+                  </a:cxn>
+                  <a:cxn ang="0">
+                    <a:pos x="connsiteX1" y="connsiteY1"/>
+                  </a:cxn>
+                  <a:cxn ang="0">
+                    <a:pos x="connsiteX2" y="connsiteY2"/>
+                  </a:cxn>
+                </a:cxnLst>
+                <a:rect l="l" t="t" r="r" b="b"/>
+                <a:pathLst>
+                  <a:path w="1613373" h="944232">
+                    <a:moveTo>
+                      <a:pt x="307507" y="944068"/>
+                    </a:moveTo>
+                    <a:lnTo>
+                      <a:pt x="-541" y="-60"/>
+                    </a:lnTo>
+                    <a:lnTo>
+                      <a:pt x="1612832" y="-165"/>
+                    </a:lnTo>
+                    <a:close/>
+                  </a:path>
+                </a:pathLst>
+              </a:custGeom>
+              <a:solidFill>
+                <a:srgbClr val="E6E6E6"/>
+              </a:solidFill>
+              <a:ln w="9525" cap="flat">
+                <a:noFill/>
+                <a:prstDash val="solid"/>
+                <a:miter/>
+              </a:ln>
+              <a:scene3d>
+                <a:camera prst="orthographicFront"/>
+                <a:lightRig rig="threePt" dir="t"/>
+              </a:scene3d>
+              <a:sp3d>
+                <a:bevelT w="1651000" h="1651000"/>
+                <a:bevelB w="1651000" h="1651000"/>
+              </a:sp3d>
+            </p:spPr>
+            <p:txBody>
+              <a:bodyPr rtlCol="0" anchor="ctr"/>
+              <a:lstStyle/>
+              <a:p>
+                <a:endParaRPr lang="en-US"/>
+              </a:p>
+            </p:txBody>
+          </p:sp>
+        </p:grpSp>
+        <p:grpSp>
+          <p:nvGrpSpPr>
+            <p:cNvPr id="32" name="Group 31">
+              <a:extLst>
+                <a:ext uri="{FF2B5EF4-FFF2-40B4-BE49-F238E27FC236}">
+                  <a16:creationId xmlns:a16="http://schemas.microsoft.com/office/drawing/2014/main" id="{B60D58D1-19A5-F6AB-EBE7-430441614BA3}"/>
+                </a:ext>
+              </a:extLst>
+            </p:cNvPr>
+            <p:cNvGrpSpPr/>
+            <p:nvPr/>
+          </p:nvGrpSpPr>
+          <p:grpSpPr>
+            <a:xfrm>
+              <a:off x="5122318" y="2378392"/>
+              <a:ext cx="1947363" cy="2091690"/>
+              <a:chOff x="5005636" y="2318765"/>
+              <a:chExt cx="1947363" cy="2091690"/>
+            </a:xfrm>
+          </p:grpSpPr>
+          <p:sp>
+            <p:nvSpPr>
+              <p:cNvPr id="29" name="Freeform: Shape 28">
+                <a:extLst>
+                  <a:ext uri="{FF2B5EF4-FFF2-40B4-BE49-F238E27FC236}">
+                    <a16:creationId xmlns:a16="http://schemas.microsoft.com/office/drawing/2014/main" id="{2D379B13-E617-D4B8-CE5C-A853E5C12829}"/>
+                  </a:ext>
+                </a:extLst>
+              </p:cNvPr>
+              <p:cNvSpPr/>
+              <p:nvPr/>
+            </p:nvSpPr>
+            <p:spPr>
+              <a:xfrm>
+                <a:off x="5005636" y="2318765"/>
+                <a:ext cx="1947363" cy="2091690"/>
+              </a:xfrm>
+              <a:custGeom>
+                <a:avLst/>
+                <a:gdLst>
+                  <a:gd name="connsiteX0" fmla="*/ 973682 w 1947363"/>
+                  <a:gd name="connsiteY0" fmla="*/ 0 h 2091690"/>
+                  <a:gd name="connsiteX1" fmla="*/ 0 w 1947363"/>
+                  <a:gd name="connsiteY1" fmla="*/ 347221 h 2091690"/>
+                  <a:gd name="connsiteX2" fmla="*/ 148510 w 1947363"/>
+                  <a:gd name="connsiteY2" fmla="*/ 1634656 h 2091690"/>
+                  <a:gd name="connsiteX3" fmla="*/ 973682 w 1947363"/>
+                  <a:gd name="connsiteY3" fmla="*/ 2091690 h 2091690"/>
+                  <a:gd name="connsiteX4" fmla="*/ 1798854 w 1947363"/>
+                  <a:gd name="connsiteY4" fmla="*/ 1634656 h 2091690"/>
+                  <a:gd name="connsiteX5" fmla="*/ 1947364 w 1947363"/>
+                  <a:gd name="connsiteY5" fmla="*/ 347221 h 2091690"/>
+                </a:gdLst>
+                <a:ahLst/>
+                <a:cxnLst>
+                  <a:cxn ang="0">
+                    <a:pos x="connsiteX0" y="connsiteY0"/>
+                  </a:cxn>
+                  <a:cxn ang="0">
+                    <a:pos x="connsiteX1" y="connsiteY1"/>
+                  </a:cxn>
+                  <a:cxn ang="0">
+                    <a:pos x="connsiteX2" y="connsiteY2"/>
+                  </a:cxn>
+                  <a:cxn ang="0">
+                    <a:pos x="connsiteX3" y="connsiteY3"/>
+                  </a:cxn>
+                  <a:cxn ang="0">
+                    <a:pos x="connsiteX4" y="connsiteY4"/>
+                  </a:cxn>
+                  <a:cxn ang="0">
+                    <a:pos x="connsiteX5" y="connsiteY5"/>
+                  </a:cxn>
+                </a:cxnLst>
+                <a:rect l="l" t="t" r="r" b="b"/>
+                <a:pathLst>
+                  <a:path w="1947363" h="2091690">
+                    <a:moveTo>
+                      <a:pt x="973682" y="0"/>
+                    </a:moveTo>
+                    <a:lnTo>
+                      <a:pt x="0" y="347221"/>
+                    </a:lnTo>
+                    <a:lnTo>
+                      <a:pt x="148510" y="1634656"/>
+                    </a:lnTo>
+                    <a:lnTo>
+                      <a:pt x="973682" y="2091690"/>
+                    </a:lnTo>
+                    <a:lnTo>
+                      <a:pt x="1798854" y="1634656"/>
+                    </a:lnTo>
+                    <a:lnTo>
+                      <a:pt x="1947364" y="347221"/>
+                    </a:lnTo>
+                    <a:close/>
+                  </a:path>
+                </a:pathLst>
+              </a:custGeom>
+              <a:solidFill>
+                <a:srgbClr val="DD0031"/>
+              </a:solidFill>
+              <a:ln w="10439" cap="flat">
+                <a:noFill/>
+                <a:prstDash val="solid"/>
+                <a:miter/>
+              </a:ln>
+              <a:scene3d>
+                <a:camera prst="orthographicFront"/>
+                <a:lightRig rig="threePt" dir="t"/>
+              </a:scene3d>
+              <a:sp3d>
+                <a:bevelT w="1651000" h="1651000"/>
+                <a:bevelB w="1651000" h="1651000"/>
+              </a:sp3d>
+            </p:spPr>
+            <p:txBody>
+              <a:bodyPr rtlCol="0" anchor="ctr"/>
+              <a:lstStyle/>
+              <a:p>
+                <a:endParaRPr lang="en-US"/>
+              </a:p>
+            </p:txBody>
+          </p:sp>
+          <p:sp>
+            <p:nvSpPr>
+              <p:cNvPr id="30" name="Freeform: Shape 29">
+                <a:extLst>
+                  <a:ext uri="{FF2B5EF4-FFF2-40B4-BE49-F238E27FC236}">
+                    <a16:creationId xmlns:a16="http://schemas.microsoft.com/office/drawing/2014/main" id="{A50D1EC1-898F-B49D-CB11-7414959D7475}"/>
+                  </a:ext>
+                </a:extLst>
+              </p:cNvPr>
+              <p:cNvSpPr/>
+              <p:nvPr/>
+            </p:nvSpPr>
+            <p:spPr>
+              <a:xfrm>
+                <a:off x="5979318" y="2318765"/>
+                <a:ext cx="973681" cy="2091690"/>
+              </a:xfrm>
+              <a:custGeom>
+                <a:avLst/>
+                <a:gdLst>
+                  <a:gd name="connsiteX0" fmla="*/ 0 w 973681"/>
+                  <a:gd name="connsiteY0" fmla="*/ 0 h 2091690"/>
+                  <a:gd name="connsiteX1" fmla="*/ 0 w 973681"/>
+                  <a:gd name="connsiteY1" fmla="*/ 232178 h 2091690"/>
+                  <a:gd name="connsiteX2" fmla="*/ 0 w 973681"/>
+                  <a:gd name="connsiteY2" fmla="*/ 231132 h 2091690"/>
+                  <a:gd name="connsiteX3" fmla="*/ 0 w 973681"/>
+                  <a:gd name="connsiteY3" fmla="*/ 2091690 h 2091690"/>
+                  <a:gd name="connsiteX4" fmla="*/ 825172 w 973681"/>
+                  <a:gd name="connsiteY4" fmla="*/ 1634656 h 2091690"/>
+                  <a:gd name="connsiteX5" fmla="*/ 973682 w 973681"/>
+                  <a:gd name="connsiteY5" fmla="*/ 347221 h 2091690"/>
+                  <a:gd name="connsiteX6" fmla="*/ 0 w 973681"/>
+                  <a:gd name="connsiteY6" fmla="*/ 0 h 2091690"/>
+                </a:gdLst>
+                <a:ahLst/>
+                <a:cxnLst>
+                  <a:cxn ang="0">
+                    <a:pos x="connsiteX0" y="connsiteY0"/>
+                  </a:cxn>
+                  <a:cxn ang="0">
+                    <a:pos x="connsiteX1" y="connsiteY1"/>
+                  </a:cxn>
+                  <a:cxn ang="0">
+                    <a:pos x="connsiteX2" y="connsiteY2"/>
+                  </a:cxn>
+                  <a:cxn ang="0">
+                    <a:pos x="connsiteX3" y="connsiteY3"/>
+                  </a:cxn>
+                  <a:cxn ang="0">
+                    <a:pos x="connsiteX4" y="connsiteY4"/>
+                  </a:cxn>
+                  <a:cxn ang="0">
+                    <a:pos x="connsiteX5" y="connsiteY5"/>
+                  </a:cxn>
+                  <a:cxn ang="0">
+                    <a:pos x="connsiteX6" y="connsiteY6"/>
+                  </a:cxn>
+                </a:cxnLst>
+                <a:rect l="l" t="t" r="r" b="b"/>
+                <a:pathLst>
+                  <a:path w="973681" h="2091690">
+                    <a:moveTo>
+                      <a:pt x="0" y="0"/>
+                    </a:moveTo>
+                    <a:lnTo>
+                      <a:pt x="0" y="232178"/>
+                    </a:lnTo>
+                    <a:lnTo>
+                      <a:pt x="0" y="231132"/>
+                    </a:lnTo>
+                    <a:lnTo>
+                      <a:pt x="0" y="2091690"/>
+                    </a:lnTo>
+                    <a:lnTo>
+                      <a:pt x="825172" y="1634656"/>
+                    </a:lnTo>
+                    <a:lnTo>
+                      <a:pt x="973682" y="347221"/>
+                    </a:lnTo>
+                    <a:lnTo>
+                      <a:pt x="0" y="0"/>
+                    </a:lnTo>
+                    <a:close/>
+                  </a:path>
+                </a:pathLst>
+              </a:custGeom>
+              <a:solidFill>
+                <a:srgbClr val="C3002F"/>
+              </a:solidFill>
+              <a:ln w="10439" cap="flat">
+                <a:noFill/>
+                <a:prstDash val="solid"/>
+                <a:miter/>
+              </a:ln>
+              <a:scene3d>
+                <a:camera prst="orthographicFront"/>
+                <a:lightRig rig="threePt" dir="t"/>
+              </a:scene3d>
+              <a:sp3d>
+                <a:bevelT w="1651000" h="1651000"/>
+                <a:bevelB w="1651000" h="1651000"/>
+              </a:sp3d>
+            </p:spPr>
+            <p:txBody>
+              <a:bodyPr rtlCol="0" anchor="ctr"/>
+              <a:lstStyle/>
+              <a:p>
+                <a:endParaRPr lang="en-US"/>
+              </a:p>
+            </p:txBody>
+          </p:sp>
+          <p:sp>
+            <p:nvSpPr>
+              <p:cNvPr id="31" name="Freeform: Shape 30">
+                <a:extLst>
+                  <a:ext uri="{FF2B5EF4-FFF2-40B4-BE49-F238E27FC236}">
+                    <a16:creationId xmlns:a16="http://schemas.microsoft.com/office/drawing/2014/main" id="{8E57B0B7-5240-1773-5FC7-884A66D20F41}"/>
+                  </a:ext>
+                </a:extLst>
+              </p:cNvPr>
+              <p:cNvSpPr/>
+              <p:nvPr/>
+            </p:nvSpPr>
+            <p:spPr>
+              <a:xfrm>
+                <a:off x="5370636" y="2549897"/>
+                <a:ext cx="1215272" cy="1364828"/>
+              </a:xfrm>
+              <a:custGeom>
+                <a:avLst/>
+                <a:gdLst>
+                  <a:gd name="connsiteX0" fmla="*/ 608682 w 1215272"/>
+                  <a:gd name="connsiteY0" fmla="*/ 0 h 1364828"/>
+                  <a:gd name="connsiteX1" fmla="*/ 0 w 1215272"/>
+                  <a:gd name="connsiteY1" fmla="*/ 1364828 h 1364828"/>
+                  <a:gd name="connsiteX2" fmla="*/ 226948 w 1215272"/>
+                  <a:gd name="connsiteY2" fmla="*/ 1364828 h 1364828"/>
+                  <a:gd name="connsiteX3" fmla="*/ 349312 w 1215272"/>
+                  <a:gd name="connsiteY3" fmla="*/ 1059441 h 1364828"/>
+                  <a:gd name="connsiteX4" fmla="*/ 865960 w 1215272"/>
+                  <a:gd name="connsiteY4" fmla="*/ 1059441 h 1364828"/>
+                  <a:gd name="connsiteX5" fmla="*/ 988324 w 1215272"/>
+                  <a:gd name="connsiteY5" fmla="*/ 1364828 h 1364828"/>
+                  <a:gd name="connsiteX6" fmla="*/ 1215272 w 1215272"/>
+                  <a:gd name="connsiteY6" fmla="*/ 1364828 h 1364828"/>
+                  <a:gd name="connsiteX7" fmla="*/ 608682 w 1215272"/>
+                  <a:gd name="connsiteY7" fmla="*/ 0 h 1364828"/>
+                  <a:gd name="connsiteX8" fmla="*/ 786476 w 1215272"/>
+                  <a:gd name="connsiteY8" fmla="*/ 871189 h 1364828"/>
+                  <a:gd name="connsiteX9" fmla="*/ 430888 w 1215272"/>
+                  <a:gd name="connsiteY9" fmla="*/ 871189 h 1364828"/>
+                  <a:gd name="connsiteX10" fmla="*/ 608682 w 1215272"/>
+                  <a:gd name="connsiteY10" fmla="*/ 443438 h 1364828"/>
+                  <a:gd name="connsiteX11" fmla="*/ 786476 w 1215272"/>
+                  <a:gd name="connsiteY11" fmla="*/ 871189 h 1364828"/>
+                </a:gdLst>
+                <a:ahLst/>
+                <a:cxnLst>
+                  <a:cxn ang="0">
+                    <a:pos x="connsiteX0" y="connsiteY0"/>
+                  </a:cxn>
+                  <a:cxn ang="0">
+                    <a:pos x="connsiteX1" y="connsiteY1"/>
+                  </a:cxn>
+                  <a:cxn ang="0">
+                    <a:pos x="connsiteX2" y="connsiteY2"/>
+                  </a:cxn>
+                  <a:cxn ang="0">
+                    <a:pos x="connsiteX3" y="connsiteY3"/>
+                  </a:cxn>
+                  <a:cxn ang="0">
+                    <a:pos x="connsiteX4" y="connsiteY4"/>
+                  </a:cxn>
+                  <a:cxn ang="0">
+                    <a:pos x="connsiteX5" y="connsiteY5"/>
+                  </a:cxn>
+                  <a:cxn ang="0">
+                    <a:pos x="connsiteX6" y="connsiteY6"/>
+                  </a:cxn>
+                  <a:cxn ang="0">
+                    <a:pos x="connsiteX7" y="connsiteY7"/>
+                  </a:cxn>
+                  <a:cxn ang="0">
+                    <a:pos x="connsiteX8" y="connsiteY8"/>
+                  </a:cxn>
+                  <a:cxn ang="0">
+                    <a:pos x="connsiteX9" y="connsiteY9"/>
+                  </a:cxn>
+                  <a:cxn ang="0">
+                    <a:pos x="connsiteX10" y="connsiteY10"/>
+                  </a:cxn>
+                  <a:cxn ang="0">
+                    <a:pos x="connsiteX11" y="connsiteY11"/>
+                  </a:cxn>
+                </a:cxnLst>
+                <a:rect l="l" t="t" r="r" b="b"/>
+                <a:pathLst>
+                  <a:path w="1215272" h="1364828">
+                    <a:moveTo>
+                      <a:pt x="608682" y="0"/>
+                    </a:moveTo>
+                    <a:lnTo>
+                      <a:pt x="0" y="1364828"/>
+                    </a:lnTo>
+                    <a:lnTo>
+                      <a:pt x="226948" y="1364828"/>
+                    </a:lnTo>
+                    <a:lnTo>
+                      <a:pt x="349312" y="1059441"/>
+                    </a:lnTo>
+                    <a:lnTo>
+                      <a:pt x="865960" y="1059441"/>
+                    </a:lnTo>
+                    <a:lnTo>
+                      <a:pt x="988324" y="1364828"/>
+                    </a:lnTo>
+                    <a:lnTo>
+                      <a:pt x="1215272" y="1364828"/>
+                    </a:lnTo>
+                    <a:lnTo>
+                      <a:pt x="608682" y="0"/>
+                    </a:lnTo>
+                    <a:close/>
+                    <a:moveTo>
+                      <a:pt x="786476" y="871189"/>
+                    </a:moveTo>
+                    <a:lnTo>
+                      <a:pt x="430888" y="871189"/>
+                    </a:lnTo>
+                    <a:lnTo>
+                      <a:pt x="608682" y="443438"/>
+                    </a:lnTo>
+                    <a:lnTo>
+                      <a:pt x="786476" y="871189"/>
+                    </a:lnTo>
+                    <a:close/>
+                  </a:path>
+                </a:pathLst>
+              </a:custGeom>
+              <a:solidFill>
+                <a:srgbClr val="FFFFFF"/>
+              </a:solidFill>
+              <a:ln w="10439" cap="flat">
+                <a:noFill/>
+                <a:prstDash val="solid"/>
+                <a:miter/>
+              </a:ln>
+              <a:scene3d>
+                <a:camera prst="orthographicFront"/>
+                <a:lightRig rig="threePt" dir="t"/>
+              </a:scene3d>
+              <a:sp3d>
+                <a:bevelT w="1651000" h="1651000"/>
+                <a:bevelB w="1651000" h="1651000"/>
+              </a:sp3d>
+            </p:spPr>
+            <p:txBody>
+              <a:bodyPr rtlCol="0" anchor="ctr"/>
+              <a:lstStyle/>
+              <a:p>
+                <a:endParaRPr lang="en-US"/>
+              </a:p>
+            </p:txBody>
+          </p:sp>
+        </p:grpSp>
+      </p:grpSp>
+    </p:spTree>
+    <p:extLst>
+      <p:ext uri="{BB962C8B-B14F-4D97-AF65-F5344CB8AC3E}">
+        <p14:creationId xmlns:p14="http://schemas.microsoft.com/office/powerpoint/2010/main" val="659146195"/>
+      </p:ext>
+    </p:extLst>
+  </p:cSld>
+  <p:clrMapOvr>
+    <a:masterClrMapping/>
+  </p:clrMapOvr>
+</p:sld>
+</file>
+
 <file path=ppt/theme/theme1.xml><?xml version="1.0" encoding="utf-8"?>
 <a:theme xmlns:a="http://schemas.openxmlformats.org/drawingml/2006/main" name="Office Theme">
   <a:themeElements>
